--- a/MSIS2433-OOP/Slides/Lab 2. Class.pptx
+++ b/MSIS2433-OOP/Slides/Lab 2. Class.pptx
@@ -6423,8 +6423,8 @@
         </p:nvSpPr>
         <p:spPr>
           <a:xfrm>
-            <a:off x="8130079" y="5349230"/>
-            <a:ext cx="3199266" cy="523220"/>
+            <a:off x="8154533" y="5349230"/>
+            <a:ext cx="3174812" cy="954107"/>
           </a:xfrm>
           <a:prstGeom prst="rect">
             <a:avLst/>
@@ -6441,7 +6441,7 @@
               <a:rPr lang="vi-VN" sz="2800">
                 <a:latin typeface="Calibri (Thân)"/>
               </a:rPr>
-              <a:t>Copy constructor</a:t>
+              <a:t>Parameterized constructor</a:t>
             </a:r>
           </a:p>
         </p:txBody>
